--- a/Turma Intensivo - Manhã Julho 2017/Aula 3/Aula de Excel 3.pptx
+++ b/Turma Intensivo - Manhã Julho 2017/Aula 3/Aula de Excel 3.pptx
@@ -4131,25 +4131,8 @@
                 <a:latin typeface="Arial" panose="020B0604020202020204" pitchFamily="34" charset="0"/>
                 <a:cs typeface="Arial" panose="020B0604020202020204" pitchFamily="34" charset="0"/>
               </a:rPr>
-              <a:t>Tabelas </a:t>
-            </a:r>
-            <a:r>
-              <a:rPr lang="pt-BR" sz="4800" dirty="0" err="1">
-                <a:solidFill>
-                  <a:srgbClr val="255EA9"/>
-                </a:solidFill>
-                <a:latin typeface="Arial" panose="020B0604020202020204" pitchFamily="34" charset="0"/>
-                <a:cs typeface="Arial" panose="020B0604020202020204" pitchFamily="34" charset="0"/>
-              </a:rPr>
-              <a:t>Dinamicas</a:t>
-            </a:r>
-            <a:endParaRPr lang="pt-BR" sz="4800" dirty="0">
-              <a:solidFill>
-                <a:srgbClr val="255EA9"/>
-              </a:solidFill>
-              <a:latin typeface="Arial" panose="020B0604020202020204" pitchFamily="34" charset="0"/>
-              <a:cs typeface="Arial" panose="020B0604020202020204" pitchFamily="34" charset="0"/>
-            </a:endParaRPr>
+              <a:t>Tabelas Dinâmicas</a:t>
+            </a:r>
           </a:p>
         </p:txBody>
       </p:sp>
@@ -4567,7 +4550,15 @@
           <p:nvPr/>
         </p:nvPicPr>
         <p:blipFill rotWithShape="1">
-          <a:blip r:embed="rId7"/>
+          <a:blip r:embed="rId7">
+            <a:duotone>
+              <a:schemeClr val="accent2">
+                <a:shade val="45000"/>
+                <a:satMod val="135000"/>
+              </a:schemeClr>
+              <a:prstClr val="white"/>
+            </a:duotone>
+          </a:blip>
           <a:srcRect l="27001" t="34065" r="24768" b="23749"/>
           <a:stretch/>
         </p:blipFill>
@@ -6239,6 +6230,98 @@
           <a:p>
             <a:pPr algn="ctr"/>
             <a:endParaRPr lang="pt-BR"/>
+          </a:p>
+        </p:txBody>
+      </p:sp>
+      <p:sp>
+        <p:nvSpPr>
+          <p:cNvPr id="10" name="Título 1">
+            <a:extLst>
+              <a:ext uri="{FF2B5EF4-FFF2-40B4-BE49-F238E27FC236}">
+                <a16:creationId xmlns:a16="http://schemas.microsoft.com/office/drawing/2014/main" id="{18320993-8D4E-4AF2-BDC6-FF807179AB25}"/>
+              </a:ext>
+            </a:extLst>
+          </p:cNvPr>
+          <p:cNvSpPr txBox="1">
+            <a:spLocks/>
+          </p:cNvSpPr>
+          <p:nvPr/>
+        </p:nvSpPr>
+        <p:spPr>
+          <a:xfrm>
+            <a:off x="6488352" y="2393675"/>
+            <a:ext cx="6747002" cy="810170"/>
+          </a:xfrm>
+          <a:prstGeom prst="rect">
+            <a:avLst/>
+          </a:prstGeom>
+          <a:ln>
+            <a:noFill/>
+          </a:ln>
+          <a:effectLst>
+            <a:outerShdw blurRad="44450" dist="27940" dir="5400000" algn="ctr">
+              <a:srgbClr val="000000">
+                <a:alpha val="32000"/>
+              </a:srgbClr>
+            </a:outerShdw>
+          </a:effectLst>
+          <a:scene3d>
+            <a:camera prst="orthographicFront">
+              <a:rot lat="0" lon="0" rev="0"/>
+            </a:camera>
+            <a:lightRig rig="balanced" dir="t">
+              <a:rot lat="0" lon="0" rev="8700000"/>
+            </a:lightRig>
+          </a:scene3d>
+          <a:sp3d>
+            <a:bevelT w="190500" h="38100"/>
+          </a:sp3d>
+        </p:spPr>
+        <p:txBody>
+          <a:bodyPr vert="horz" lIns="91440" tIns="45720" rIns="91440" bIns="45720" rtlCol="0" anchor="ctr">
+            <a:noAutofit/>
+          </a:bodyPr>
+          <a:lstStyle>
+            <a:lvl1pPr algn="ctr" defTabSz="1218804" rtl="0" eaLnBrk="1" latinLnBrk="0" hangingPunct="1">
+              <a:spcBef>
+                <a:spcPct val="0"/>
+              </a:spcBef>
+              <a:buNone/>
+              <a:defRPr sz="5865" kern="1200">
+                <a:solidFill>
+                  <a:schemeClr val="tx1"/>
+                </a:solidFill>
+                <a:latin typeface="+mj-lt"/>
+                <a:ea typeface="+mj-ea"/>
+                <a:cs typeface="+mj-cs"/>
+              </a:defRPr>
+            </a:lvl1pPr>
+          </a:lstStyle>
+          <a:p>
+            <a:pPr marL="1143000" indent="-1143000" algn="l">
+              <a:buFont typeface="Arial" panose="020B0604020202020204" pitchFamily="34" charset="0"/>
+              <a:buChar char="•"/>
+            </a:pPr>
+            <a:r>
+              <a:rPr lang="pt-BR" sz="4800" dirty="0" err="1">
+                <a:solidFill>
+                  <a:srgbClr val="255EA9"/>
+                </a:solidFill>
+                <a:latin typeface="Arial" panose="020B0604020202020204" pitchFamily="34" charset="0"/>
+                <a:cs typeface="Arial" panose="020B0604020202020204" pitchFamily="34" charset="0"/>
+              </a:rPr>
+              <a:t>Dhierarqui</a:t>
+            </a:r>
+            <a:r>
+              <a:rPr lang="pt-BR" sz="4800" dirty="0">
+                <a:solidFill>
+                  <a:srgbClr val="255EA9"/>
+                </a:solidFill>
+                <a:latin typeface="Arial" panose="020B0604020202020204" pitchFamily="34" charset="0"/>
+                <a:cs typeface="Arial" panose="020B0604020202020204" pitchFamily="34" charset="0"/>
+              </a:rPr>
+              <a:t>’</a:t>
+            </a:r>
           </a:p>
         </p:txBody>
       </p:sp>
